--- a/capstone_final_assignment1.pptx
+++ b/capstone_final_assignment1.pptx
@@ -125,7 +125,7 @@
   </p:defaultTextStyle>
   <p:extLst>
     <p:ext uri="{EFAFB233-063F-42B5-8137-9DF3F51BA10A}">
-      <p15:sldGuideLst xmlns:p15="http://schemas.microsoft.com/office/powerpoint/2012/main" xmlns="">
+      <p15:sldGuideLst xmlns="" xmlns:p15="http://schemas.microsoft.com/office/powerpoint/2012/main">
         <p15:guide id="1" orient="horz" pos="2160" userDrawn="1">
           <p15:clr>
             <a:srgbClr val="A4A3A4"/>
@@ -225,7 +225,7 @@
             <a:fld id="{F4AE7823-858B-4E4A-AE02-2810AA25CF18}" type="datetimeFigureOut">
               <a:rPr lang="zh-CN" altLang="en-US" smtClean="0"/>
               <a:pPr/>
-              <a:t>2021/1/9</a:t>
+              <a:t>2021/1/10</a:t>
             </a:fld>
             <a:endParaRPr lang="zh-CN" altLang="en-US"/>
           </a:p>
@@ -387,7 +387,7 @@
             <a:fld id="{BB6BBA9F-47FD-4A5C-951A-D649CC45CECC}" type="datetimeFigureOut">
               <a:rPr lang="zh-CN" altLang="en-US" smtClean="0"/>
               <a:pPr/>
-              <a:t>2021/1/9</a:t>
+              <a:t>2021/1/10</a:t>
             </a:fld>
             <a:endParaRPr lang="zh-CN" altLang="en-US"/>
           </a:p>
@@ -555,7 +555,7 @@
     </p:spTree>
     <p:extLst>
       <p:ext uri="{BB962C8B-B14F-4D97-AF65-F5344CB8AC3E}">
-        <p14:creationId xmlns="" xmlns:p14="http://schemas.microsoft.com/office/powerpoint/2010/main" val="3209940923"/>
+        <p14:creationId xmlns:p14="http://schemas.microsoft.com/office/powerpoint/2010/main" xmlns="" val="3209940923"/>
       </p:ext>
     </p:extLst>
   </p:cSld>
@@ -789,7 +789,7 @@
     </p:spTree>
     <p:extLst>
       <p:ext uri="{BB962C8B-B14F-4D97-AF65-F5344CB8AC3E}">
-        <p14:creationId xmlns="" xmlns:p14="http://schemas.microsoft.com/office/powerpoint/2010/main" val="1496270144"/>
+        <p14:creationId xmlns:p14="http://schemas.microsoft.com/office/powerpoint/2010/main" xmlns="" val="1496270144"/>
       </p:ext>
     </p:extLst>
   </p:cSld>
@@ -874,7 +874,7 @@
     </p:spTree>
     <p:extLst>
       <p:ext uri="{BB962C8B-B14F-4D97-AF65-F5344CB8AC3E}">
-        <p14:creationId xmlns="" xmlns:p14="http://schemas.microsoft.com/office/powerpoint/2010/main" val="982243738"/>
+        <p14:creationId xmlns:p14="http://schemas.microsoft.com/office/powerpoint/2010/main" xmlns="" val="982243738"/>
       </p:ext>
     </p:extLst>
   </p:cSld>
@@ -959,7 +959,7 @@
     </p:spTree>
     <p:extLst>
       <p:ext uri="{BB962C8B-B14F-4D97-AF65-F5344CB8AC3E}">
-        <p14:creationId xmlns="" xmlns:p14="http://schemas.microsoft.com/office/powerpoint/2010/main" val="982243738"/>
+        <p14:creationId xmlns:p14="http://schemas.microsoft.com/office/powerpoint/2010/main" xmlns="" val="982243738"/>
       </p:ext>
     </p:extLst>
   </p:cSld>
@@ -1044,7 +1044,7 @@
     </p:spTree>
     <p:extLst>
       <p:ext uri="{BB962C8B-B14F-4D97-AF65-F5344CB8AC3E}">
-        <p14:creationId xmlns="" xmlns:p14="http://schemas.microsoft.com/office/powerpoint/2010/main" val="2101298181"/>
+        <p14:creationId xmlns:p14="http://schemas.microsoft.com/office/powerpoint/2010/main" xmlns="" val="2101298181"/>
       </p:ext>
     </p:extLst>
   </p:cSld>
@@ -1129,7 +1129,7 @@
     </p:spTree>
     <p:extLst>
       <p:ext uri="{BB962C8B-B14F-4D97-AF65-F5344CB8AC3E}">
-        <p14:creationId xmlns="" xmlns:p14="http://schemas.microsoft.com/office/powerpoint/2010/main" val="3844136237"/>
+        <p14:creationId xmlns:p14="http://schemas.microsoft.com/office/powerpoint/2010/main" xmlns="" val="3844136237"/>
       </p:ext>
     </p:extLst>
   </p:cSld>
@@ -1214,7 +1214,7 @@
     </p:spTree>
     <p:extLst>
       <p:ext uri="{BB962C8B-B14F-4D97-AF65-F5344CB8AC3E}">
-        <p14:creationId xmlns="" xmlns:p14="http://schemas.microsoft.com/office/powerpoint/2010/main" val="982243738"/>
+        <p14:creationId xmlns:p14="http://schemas.microsoft.com/office/powerpoint/2010/main" xmlns="" val="982243738"/>
       </p:ext>
     </p:extLst>
   </p:cSld>
@@ -1299,7 +1299,7 @@
     </p:spTree>
     <p:extLst>
       <p:ext uri="{BB962C8B-B14F-4D97-AF65-F5344CB8AC3E}">
-        <p14:creationId xmlns="" xmlns:p14="http://schemas.microsoft.com/office/powerpoint/2010/main" val="982243738"/>
+        <p14:creationId xmlns:p14="http://schemas.microsoft.com/office/powerpoint/2010/main" xmlns="" val="982243738"/>
       </p:ext>
     </p:extLst>
   </p:cSld>
@@ -1384,7 +1384,7 @@
     </p:spTree>
     <p:extLst>
       <p:ext uri="{BB962C8B-B14F-4D97-AF65-F5344CB8AC3E}">
-        <p14:creationId xmlns="" xmlns:p14="http://schemas.microsoft.com/office/powerpoint/2010/main" val="982243738"/>
+        <p14:creationId xmlns:p14="http://schemas.microsoft.com/office/powerpoint/2010/main" xmlns="" val="982243738"/>
       </p:ext>
     </p:extLst>
   </p:cSld>
@@ -1469,7 +1469,7 @@
     </p:spTree>
     <p:extLst>
       <p:ext uri="{BB962C8B-B14F-4D97-AF65-F5344CB8AC3E}">
-        <p14:creationId xmlns="" xmlns:p14="http://schemas.microsoft.com/office/powerpoint/2010/main" val="982243738"/>
+        <p14:creationId xmlns:p14="http://schemas.microsoft.com/office/powerpoint/2010/main" xmlns="" val="982243738"/>
       </p:ext>
     </p:extLst>
   </p:cSld>
@@ -1554,7 +1554,7 @@
     </p:spTree>
     <p:extLst>
       <p:ext uri="{BB962C8B-B14F-4D97-AF65-F5344CB8AC3E}">
-        <p14:creationId xmlns="" xmlns:p14="http://schemas.microsoft.com/office/powerpoint/2010/main" val="982243738"/>
+        <p14:creationId xmlns:p14="http://schemas.microsoft.com/office/powerpoint/2010/main" xmlns="" val="982243738"/>
       </p:ext>
     </p:extLst>
   </p:cSld>
@@ -1639,7 +1639,7 @@
     </p:spTree>
     <p:extLst>
       <p:ext uri="{BB962C8B-B14F-4D97-AF65-F5344CB8AC3E}">
-        <p14:creationId xmlns="" xmlns:p14="http://schemas.microsoft.com/office/powerpoint/2010/main" val="3471583120"/>
+        <p14:creationId xmlns:p14="http://schemas.microsoft.com/office/powerpoint/2010/main" xmlns="" val="3471583120"/>
       </p:ext>
     </p:extLst>
   </p:cSld>
@@ -1787,7 +1787,7 @@
                 </a:solidFill>
               </a:rPr>
               <a:pPr/>
-              <a:t>2021/1/9</a:t>
+              <a:t>2021/1/10</a:t>
             </a:fld>
             <a:endParaRPr lang="zh-CN" altLang="en-US">
               <a:solidFill>
@@ -1871,7 +1871,7 @@
     </p:spTree>
     <p:extLst>
       <p:ext uri="{BB962C8B-B14F-4D97-AF65-F5344CB8AC3E}">
-        <p14:creationId xmlns="" xmlns:p14="http://schemas.microsoft.com/office/powerpoint/2010/main" val="1948502080"/>
+        <p14:creationId xmlns:p14="http://schemas.microsoft.com/office/powerpoint/2010/main" xmlns="" val="1948502080"/>
       </p:ext>
     </p:extLst>
   </p:cSld>
@@ -1933,7 +1933,7 @@
     </p:spTree>
     <p:extLst>
       <p:ext uri="{BB962C8B-B14F-4D97-AF65-F5344CB8AC3E}">
-        <p14:creationId xmlns="" xmlns:p14="http://schemas.microsoft.com/office/powerpoint/2010/main" val="3248277537"/>
+        <p14:creationId xmlns:p14="http://schemas.microsoft.com/office/powerpoint/2010/main" xmlns="" val="3248277537"/>
       </p:ext>
     </p:extLst>
   </p:cSld>
@@ -1995,7 +1995,7 @@
     </p:spTree>
     <p:extLst>
       <p:ext uri="{BB962C8B-B14F-4D97-AF65-F5344CB8AC3E}">
-        <p14:creationId xmlns="" xmlns:p14="http://schemas.microsoft.com/office/powerpoint/2010/main" val="1549456534"/>
+        <p14:creationId xmlns:p14="http://schemas.microsoft.com/office/powerpoint/2010/main" xmlns="" val="1549456534"/>
       </p:ext>
     </p:extLst>
   </p:cSld>
@@ -2140,7 +2140,7 @@
     </p:spTree>
     <p:extLst>
       <p:ext uri="{BB962C8B-B14F-4D97-AF65-F5344CB8AC3E}">
-        <p14:creationId xmlns="" xmlns:p14="http://schemas.microsoft.com/office/powerpoint/2010/main" val="1460765212"/>
+        <p14:creationId xmlns:p14="http://schemas.microsoft.com/office/powerpoint/2010/main" xmlns="" val="1460765212"/>
       </p:ext>
     </p:extLst>
   </p:cSld>
@@ -2202,7 +2202,7 @@
     </p:spTree>
     <p:extLst>
       <p:ext uri="{BB962C8B-B14F-4D97-AF65-F5344CB8AC3E}">
-        <p14:creationId xmlns="" xmlns:p14="http://schemas.microsoft.com/office/powerpoint/2010/main" val="2667682418"/>
+        <p14:creationId xmlns:p14="http://schemas.microsoft.com/office/powerpoint/2010/main" xmlns="" val="2667682418"/>
       </p:ext>
     </p:extLst>
   </p:cSld>
@@ -2351,7 +2351,7 @@
                 </a:solidFill>
               </a:rPr>
               <a:pPr/>
-              <a:t>2021/1/9</a:t>
+              <a:t>2021/1/10</a:t>
             </a:fld>
             <a:endParaRPr lang="zh-CN" altLang="en-US">
               <a:solidFill>
@@ -2435,7 +2435,7 @@
     </p:spTree>
     <p:extLst>
       <p:ext uri="{BB962C8B-B14F-4D97-AF65-F5344CB8AC3E}">
-        <p14:creationId xmlns="" xmlns:p14="http://schemas.microsoft.com/office/powerpoint/2010/main" val="4149639713"/>
+        <p14:creationId xmlns:p14="http://schemas.microsoft.com/office/powerpoint/2010/main" xmlns="" val="4149639713"/>
       </p:ext>
     </p:extLst>
   </p:cSld>
@@ -2466,7 +2466,7 @@
     </p:spTree>
     <p:extLst>
       <p:ext uri="{BB962C8B-B14F-4D97-AF65-F5344CB8AC3E}">
-        <p14:creationId xmlns="" xmlns:p14="http://schemas.microsoft.com/office/powerpoint/2010/main" val="2667143866"/>
+        <p14:creationId xmlns:p14="http://schemas.microsoft.com/office/powerpoint/2010/main" xmlns="" val="2667143866"/>
       </p:ext>
     </p:extLst>
   </p:cSld>
@@ -2497,7 +2497,7 @@
     </p:spTree>
     <p:extLst>
       <p:ext uri="{BB962C8B-B14F-4D97-AF65-F5344CB8AC3E}">
-        <p14:creationId xmlns="" xmlns:p14="http://schemas.microsoft.com/office/powerpoint/2010/main" val="3889593172"/>
+        <p14:creationId xmlns:p14="http://schemas.microsoft.com/office/powerpoint/2010/main" xmlns="" val="3889593172"/>
       </p:ext>
     </p:extLst>
   </p:cSld>
@@ -2528,7 +2528,7 @@
     </p:spTree>
     <p:extLst>
       <p:ext uri="{BB962C8B-B14F-4D97-AF65-F5344CB8AC3E}">
-        <p14:creationId xmlns="" xmlns:p14="http://schemas.microsoft.com/office/powerpoint/2010/main" val="1437058085"/>
+        <p14:creationId xmlns:p14="http://schemas.microsoft.com/office/powerpoint/2010/main" xmlns="" val="1437058085"/>
       </p:ext>
     </p:extLst>
   </p:cSld>
@@ -3199,7 +3199,7 @@
     </p:spTree>
     <p:extLst>
       <p:ext uri="{BB962C8B-B14F-4D97-AF65-F5344CB8AC3E}">
-        <p14:creationId xmlns="" xmlns:p14="http://schemas.microsoft.com/office/powerpoint/2010/main" val="830878335"/>
+        <p14:creationId xmlns:p14="http://schemas.microsoft.com/office/powerpoint/2010/main" xmlns="" val="830878335"/>
       </p:ext>
     </p:extLst>
   </p:cSld>
@@ -3302,7 +3302,7 @@
     </p:spTree>
     <p:extLst>
       <p:ext uri="{BB962C8B-B14F-4D97-AF65-F5344CB8AC3E}">
-        <p14:creationId xmlns="" xmlns:p14="http://schemas.microsoft.com/office/powerpoint/2010/main" val="1526816941"/>
+        <p14:creationId xmlns:p14="http://schemas.microsoft.com/office/powerpoint/2010/main" xmlns="" val="1526816941"/>
       </p:ext>
     </p:extLst>
   </p:cSld>
@@ -3364,7 +3364,7 @@
     </p:spTree>
     <p:extLst>
       <p:ext uri="{BB962C8B-B14F-4D97-AF65-F5344CB8AC3E}">
-        <p14:creationId xmlns="" xmlns:p14="http://schemas.microsoft.com/office/powerpoint/2010/main" val="2890650291"/>
+        <p14:creationId xmlns:p14="http://schemas.microsoft.com/office/powerpoint/2010/main" xmlns="" val="2890650291"/>
       </p:ext>
     </p:extLst>
   </p:cSld>
@@ -3426,7 +3426,7 @@
     </p:spTree>
     <p:extLst>
       <p:ext uri="{BB962C8B-B14F-4D97-AF65-F5344CB8AC3E}">
-        <p14:creationId xmlns="" xmlns:p14="http://schemas.microsoft.com/office/powerpoint/2010/main" val="3285891208"/>
+        <p14:creationId xmlns:p14="http://schemas.microsoft.com/office/powerpoint/2010/main" xmlns="" val="3285891208"/>
       </p:ext>
     </p:extLst>
   </p:cSld>
@@ -3462,7 +3462,7 @@
     </p:spTree>
     <p:extLst>
       <p:ext uri="{BB962C8B-B14F-4D97-AF65-F5344CB8AC3E}">
-        <p14:creationId xmlns="" xmlns:p14="http://schemas.microsoft.com/office/powerpoint/2010/main" val="2305506616"/>
+        <p14:creationId xmlns:p14="http://schemas.microsoft.com/office/powerpoint/2010/main" xmlns="" val="2305506616"/>
       </p:ext>
     </p:extLst>
   </p:cSld>
@@ -3995,7 +3995,7 @@
         <p:spPr>
           <a:xfrm>
             <a:off x="2492842" y="4923965"/>
-            <a:ext cx="7209958" cy="286873"/>
+            <a:ext cx="7209958" cy="302840"/>
           </a:xfrm>
           <a:prstGeom prst="rect">
             <a:avLst/>
@@ -4047,10 +4047,10 @@
                 <a:ea typeface="微软雅黑"/>
                 <a:cs typeface="+mn-cs"/>
               </a:rPr>
-              <a:t>Find the best location to open a fast food </a:t>
+              <a:t>Find the best location to open a fast </a:t>
             </a:r>
             <a:r>
-              <a:rPr kumimoji="0" lang="en-US" altLang="zh-CN" sz="1200" b="0" i="0" u="none" strike="noStrike" kern="1200" cap="none" spc="0" normalizeH="0" baseline="0" noProof="0" dirty="0" err="1" smtClean="0">
+              <a:rPr kumimoji="0" lang="en-US" altLang="zh-CN" sz="1200" b="0" i="0" u="none" strike="noStrike" kern="1200" cap="none" spc="0" normalizeH="0" baseline="0" noProof="0" smtClean="0">
                 <a:ln>
                   <a:noFill/>
                 </a:ln>
@@ -4066,7 +4066,26 @@
                 <a:ea typeface="微软雅黑"/>
                 <a:cs typeface="+mn-cs"/>
               </a:rPr>
-              <a:t>resturant</a:t>
+              <a:t>food </a:t>
+            </a:r>
+            <a:r>
+              <a:rPr kumimoji="0" lang="en-US" altLang="zh-CN" sz="1200" b="0" i="0" u="none" strike="noStrike" kern="1200" cap="none" spc="0" normalizeH="0" baseline="0" noProof="0" smtClean="0">
+                <a:ln>
+                  <a:noFill/>
+                </a:ln>
+                <a:solidFill>
+                  <a:prstClr val="white">
+                    <a:lumMod val="50000"/>
+                  </a:prstClr>
+                </a:solidFill>
+                <a:effectLst/>
+                <a:uLnTx/>
+                <a:uFillTx/>
+                <a:latin typeface="微软雅黑"/>
+                <a:ea typeface="微软雅黑"/>
+                <a:cs typeface="+mn-cs"/>
+              </a:rPr>
+              <a:t>restaurant </a:t>
             </a:r>
             <a:r>
               <a:rPr kumimoji="0" lang="en-US" altLang="zh-CN" sz="1200" b="0" i="0" u="none" strike="noStrike" kern="1200" cap="none" spc="0" normalizeH="0" baseline="0" noProof="0" dirty="0" smtClean="0">
@@ -4085,7 +4104,7 @@
                 <a:ea typeface="微软雅黑"/>
                 <a:cs typeface="+mn-cs"/>
               </a:rPr>
-              <a:t> in NY</a:t>
+              <a:t>in NY</a:t>
             </a:r>
             <a:endParaRPr kumimoji="0" lang="en-US" altLang="zh-CN" sz="1200" b="0" i="0" u="none" strike="noStrike" kern="1200" cap="none" spc="0" normalizeH="0" baseline="0" noProof="0" dirty="0">
               <a:ln>
@@ -4109,7 +4128,7 @@
     </p:spTree>
     <p:extLst>
       <p:ext uri="{BB962C8B-B14F-4D97-AF65-F5344CB8AC3E}">
-        <p14:creationId xmlns="" xmlns:p14="http://schemas.microsoft.com/office/powerpoint/2010/main" val="2071702990"/>
+        <p14:creationId xmlns:p14="http://schemas.microsoft.com/office/powerpoint/2010/main" xmlns="" val="2071702990"/>
       </p:ext>
     </p:extLst>
   </p:cSld>
@@ -4667,15 +4686,7 @@
               </a:r>
               <a:r>
                 <a:rPr lang="en-US" sz="1000" dirty="0" smtClean="0"/>
-                <a:t>Mean </a:t>
-              </a:r>
-              <a:r>
-                <a:rPr lang="en-US" sz="1000" dirty="0" smtClean="0"/>
-                <a:t>of total venue count: </a:t>
-              </a:r>
-              <a:r>
-                <a:rPr lang="en-US" sz="1000" dirty="0" smtClean="0"/>
-                <a:t>67)</a:t>
+                <a:t>Mean of total venue count: 67)</a:t>
               </a:r>
               <a:endParaRPr lang="en-US" altLang="zh-CN" sz="1000" dirty="0" smtClean="0">
                 <a:ea typeface="+mj-ea"/>
@@ -4881,15 +4892,7 @@
               </a:r>
               <a:r>
                 <a:rPr lang="en-US" sz="1000" dirty="0" smtClean="0"/>
-                <a:t>Mean </a:t>
-              </a:r>
-              <a:r>
-                <a:rPr lang="en-US" sz="1000" dirty="0" smtClean="0"/>
-                <a:t>of total venue count: </a:t>
-              </a:r>
-              <a:r>
-                <a:rPr lang="en-US" sz="1000" dirty="0" smtClean="0"/>
-                <a:t>42)</a:t>
+                <a:t>Mean of total venue count: 42)</a:t>
               </a:r>
               <a:endParaRPr lang="en-US" altLang="zh-CN" sz="1000" dirty="0" smtClean="0">
                 <a:ea typeface="+mj-ea"/>
@@ -5246,7 +5249,7 @@
     </p:spTree>
     <p:extLst>
       <p:ext uri="{BB962C8B-B14F-4D97-AF65-F5344CB8AC3E}">
-        <p14:creationId xmlns="" xmlns:p14="http://schemas.microsoft.com/office/powerpoint/2010/main" val="1380840299"/>
+        <p14:creationId xmlns:p14="http://schemas.microsoft.com/office/powerpoint/2010/main" xmlns="" val="1380840299"/>
       </p:ext>
     </p:extLst>
   </p:cSld>
@@ -5465,13 +5468,8 @@
               </a:pPr>
               <a:r>
                 <a:rPr lang="en-US" sz="1000" dirty="0" smtClean="0"/>
-                <a:t>GRAMERCY </a:t>
+                <a:t>GRAMERCY PARK (in cluster 3) is the best neighborhood to open an fast food restaurant in NY. </a:t>
               </a:r>
-              <a:r>
-                <a:rPr lang="en-US" sz="1000" dirty="0" smtClean="0"/>
-                <a:t>PARK (in cluster 3) is the best neighborhood to open an fast food restaurant in NY. </a:t>
-              </a:r>
-              <a:endParaRPr lang="en-US" sz="1000" dirty="0" smtClean="0"/>
             </a:p>
             <a:p>
               <a:pPr algn="just">
@@ -5489,13 +5487,8 @@
               </a:pPr>
               <a:r>
                 <a:rPr lang="en-US" sz="1000" dirty="0" smtClean="0"/>
-                <a:t>It </a:t>
+                <a:t>It has the most number of total venues and is expected to attract many people to visit. </a:t>
               </a:r>
-              <a:r>
-                <a:rPr lang="en-US" sz="1000" dirty="0" smtClean="0"/>
-                <a:t>has the most number of total venues and is expected to attract many people to visit. </a:t>
-              </a:r>
-              <a:endParaRPr lang="en-US" sz="1000" dirty="0" smtClean="0"/>
             </a:p>
             <a:p>
               <a:pPr algn="just">
@@ -5513,13 +5506,8 @@
               </a:pPr>
               <a:r>
                 <a:rPr lang="en-US" sz="1000" dirty="0" smtClean="0"/>
-                <a:t>This </a:t>
+                <a:t>This neighborhood has 2 Pedestrian Plaza, 7 playground, 30 offices and no fast food restaurant within walking distance is the best option. </a:t>
               </a:r>
-              <a:r>
-                <a:rPr lang="en-US" sz="1000" dirty="0" smtClean="0"/>
-                <a:t>neighborhood has 2 Pedestrian Plaza, 7 playground, 30 offices and no fast food restaurant within walking distance is the best option. </a:t>
-              </a:r>
-              <a:endParaRPr lang="en-US" sz="1000" dirty="0" smtClean="0"/>
             </a:p>
             <a:p>
               <a:pPr algn="just">
@@ -5537,11 +5525,7 @@
               </a:pPr>
               <a:r>
                 <a:rPr lang="en-US" sz="1000" dirty="0" smtClean="0"/>
-                <a:t>Furthermore</a:t>
-              </a:r>
-              <a:r>
-                <a:rPr lang="en-US" sz="1000" dirty="0" smtClean="0"/>
-                <a:t>, the average rent in this neighborhood is the lowest one in cluster 3.</a:t>
+                <a:t>Furthermore, the average rent in this neighborhood is the lowest one in cluster 3.</a:t>
               </a:r>
               <a:endParaRPr lang="en-US" altLang="zh-CN" sz="1000" dirty="0" smtClean="0">
                 <a:ea typeface="+mj-ea"/>
@@ -5712,15 +5696,7 @@
               </a:pPr>
               <a:r>
                 <a:rPr lang="en-US" sz="1000" dirty="0" smtClean="0"/>
-                <a:t>We </a:t>
-              </a:r>
-              <a:r>
-                <a:rPr lang="en-US" sz="1000" dirty="0" smtClean="0"/>
-                <a:t>have limited the location options to the neighborhoods of NY, however considering more specific locations such as particular streets can improve the accuracy of our </a:t>
-              </a:r>
-              <a:r>
-                <a:rPr lang="en-US" sz="1000" dirty="0" smtClean="0"/>
-                <a:t>decision</a:t>
+                <a:t>We have limited the location options to the neighborhoods of NY, however considering more specific locations such as particular streets can improve the accuracy of our decision</a:t>
               </a:r>
             </a:p>
             <a:p>
@@ -5739,13 +5715,8 @@
               </a:pPr>
               <a:r>
                 <a:rPr lang="en-US" sz="1000" dirty="0" smtClean="0"/>
-                <a:t>We </a:t>
+                <a:t>We used the average one bedroom rent price in each neighborhood as an estimate of the rent price. </a:t>
               </a:r>
-              <a:r>
-                <a:rPr lang="en-US" sz="1000" dirty="0" smtClean="0"/>
-                <a:t>used the average one bedroom rent price in each neighborhood as an estimate of the rent price. </a:t>
-              </a:r>
-              <a:endParaRPr lang="en-US" sz="1000" dirty="0" smtClean="0"/>
             </a:p>
             <a:p>
               <a:pPr algn="just">
@@ -5763,11 +5734,7 @@
               </a:pPr>
               <a:r>
                 <a:rPr lang="en-US" sz="1000" dirty="0" smtClean="0"/>
-                <a:t>We </a:t>
-              </a:r>
-              <a:r>
-                <a:rPr lang="en-US" sz="1000" dirty="0" smtClean="0"/>
-                <a:t>limited our investigation for the venues within 500 meter of the neighborhoods and changing it can affect the clusters.</a:t>
+                <a:t>We limited our investigation for the venues within 500 meter of the neighborhoods and changing it can affect the clusters.</a:t>
               </a:r>
               <a:endParaRPr lang="en-US" altLang="zh-CN" sz="1000" dirty="0" smtClean="0">
                 <a:ea typeface="+mj-ea"/>
@@ -5874,7 +5841,7 @@
     </p:spTree>
     <p:extLst>
       <p:ext uri="{BB962C8B-B14F-4D97-AF65-F5344CB8AC3E}">
-        <p14:creationId xmlns="" xmlns:p14="http://schemas.microsoft.com/office/powerpoint/2010/main" val="1380840299"/>
+        <p14:creationId xmlns:p14="http://schemas.microsoft.com/office/powerpoint/2010/main" xmlns="" val="1380840299"/>
       </p:ext>
     </p:extLst>
   </p:cSld>
@@ -6660,7 +6627,7 @@
     </p:spTree>
     <p:extLst>
       <p:ext uri="{BB962C8B-B14F-4D97-AF65-F5344CB8AC3E}">
-        <p14:creationId xmlns="" xmlns:p14="http://schemas.microsoft.com/office/powerpoint/2010/main" val="1948594781"/>
+        <p14:creationId xmlns:p14="http://schemas.microsoft.com/office/powerpoint/2010/main" xmlns="" val="1948594781"/>
       </p:ext>
     </p:extLst>
   </p:cSld>
@@ -6884,21 +6851,7 @@
                   <a:latin typeface="+mj-ea"/>
                   <a:ea typeface="+mj-ea"/>
                 </a:rPr>
-                <a:t>Selecting </a:t>
-              </a:r>
-              <a:r>
-                <a:rPr lang="en-US" altLang="zh-CN" sz="1000" dirty="0" smtClean="0">
-                  <a:latin typeface="+mj-ea"/>
-                  <a:ea typeface="+mj-ea"/>
-                </a:rPr>
-                <a:t>a location for a business is one of the most important decisions in running a business</a:t>
-              </a:r>
-              <a:r>
-                <a:rPr lang="en-US" altLang="zh-CN" sz="1000" dirty="0" smtClean="0">
-                  <a:latin typeface="+mj-ea"/>
-                  <a:ea typeface="+mj-ea"/>
-                </a:rPr>
-                <a:t>.</a:t>
+                <a:t>Selecting a location for a business is one of the most important decisions in running a business.</a:t>
               </a:r>
             </a:p>
             <a:p>
@@ -6925,10 +6878,6 @@
                 </a:rPr>
                 <a:t>Business decision makers need to consider different factors in finding the right location for the business, such as financial factors, market factors, and the factors that will affect their demand and revenue. </a:t>
               </a:r>
-              <a:endParaRPr lang="en-US" altLang="zh-CN" sz="1000" dirty="0" smtClean="0">
-                <a:latin typeface="+mj-ea"/>
-                <a:ea typeface="+mj-ea"/>
-              </a:endParaRPr>
             </a:p>
             <a:p>
               <a:pPr algn="just">
@@ -6952,14 +6901,7 @@
                   <a:latin typeface="+mj-ea"/>
                   <a:ea typeface="+mj-ea"/>
                 </a:rPr>
-                <a:t>This project can help those who are planning to open a new </a:t>
-              </a:r>
-              <a:r>
-                <a:rPr lang="en-US" altLang="zh-CN" sz="1000" dirty="0" smtClean="0">
-                  <a:latin typeface="+mj-ea"/>
-                  <a:ea typeface="+mj-ea"/>
-                </a:rPr>
-                <a:t>fast food </a:t>
+                <a:t>This project can help those who are planning to open a new fast food </a:t>
               </a:r>
               <a:r>
                 <a:rPr lang="en-US" altLang="zh-CN" sz="1000" dirty="0" err="1" smtClean="0">
@@ -6973,14 +6915,7 @@
                   <a:latin typeface="+mj-ea"/>
                   <a:ea typeface="+mj-ea"/>
                 </a:rPr>
-                <a:t> </a:t>
-              </a:r>
-              <a:r>
-                <a:rPr lang="en-US" altLang="zh-CN" sz="1000" dirty="0" smtClean="0">
-                  <a:latin typeface="+mj-ea"/>
-                  <a:ea typeface="+mj-ea"/>
-                </a:rPr>
-                <a:t>and need to find the best location for the shop in a city.</a:t>
+                <a:t> and need to find the best location for the shop in a city.</a:t>
               </a:r>
             </a:p>
             <a:p>
@@ -7160,33 +7095,7 @@
                     <a:latin typeface="+mj-ea"/>
                     <a:ea typeface="+mj-ea"/>
                   </a:rPr>
-                  <a:t>Selecting </a:t>
-                </a:r>
-                <a:r>
-                  <a:rPr lang="en-US" altLang="zh-CN" sz="1000" dirty="0" smtClean="0">
-                    <a:ln>
-                      <a:solidFill>
-                        <a:schemeClr val="tx1"/>
-                      </a:solidFill>
-                    </a:ln>
-                    <a:noFill/>
-                    <a:latin typeface="+mj-ea"/>
-                    <a:ea typeface="+mj-ea"/>
-                  </a:rPr>
-                  <a:t>a location for a business is one of the most important decisions in running a business</a:t>
-                </a:r>
-                <a:r>
-                  <a:rPr lang="en-US" altLang="zh-CN" sz="1000" dirty="0" smtClean="0">
-                    <a:ln>
-                      <a:solidFill>
-                        <a:schemeClr val="tx1"/>
-                      </a:solidFill>
-                    </a:ln>
-                    <a:noFill/>
-                    <a:latin typeface="+mj-ea"/>
-                    <a:ea typeface="+mj-ea"/>
-                  </a:rPr>
-                  <a:t>.</a:t>
+                  <a:t>Selecting a location for a business is one of the most important decisions in running a business.</a:t>
                 </a:r>
               </a:p>
               <a:p>
@@ -7249,20 +7158,7 @@
                     <a:latin typeface="+mj-ea"/>
                     <a:ea typeface="+mj-ea"/>
                   </a:rPr>
-                  <a:t> </a:t>
-                </a:r>
-                <a:r>
-                  <a:rPr lang="en-US" altLang="zh-CN" sz="1000" dirty="0" smtClean="0">
-                    <a:ln>
-                      <a:solidFill>
-                        <a:schemeClr val="tx1"/>
-                      </a:solidFill>
-                    </a:ln>
-                    <a:noFill/>
-                    <a:latin typeface="+mj-ea"/>
-                    <a:ea typeface="+mj-ea"/>
-                  </a:rPr>
-                  <a:t>is good to be near a place where many people visit such as near a cinema, park, garden, playground, etc.</a:t>
+                  <a:t> is good to be near a place where many people visit such as near a cinema, park, garden, playground, etc.</a:t>
                 </a:r>
               </a:p>
               <a:p>
@@ -7299,33 +7195,7 @@
                     <a:latin typeface="+mj-ea"/>
                     <a:ea typeface="+mj-ea"/>
                   </a:rPr>
-                  <a:t>A </a:t>
-                </a:r>
-                <a:r>
-                  <a:rPr lang="en-US" altLang="zh-CN" sz="1000" dirty="0" smtClean="0">
-                    <a:ln>
-                      <a:solidFill>
-                        <a:schemeClr val="tx1"/>
-                      </a:solidFill>
-                    </a:ln>
-                    <a:noFill/>
-                    <a:latin typeface="+mj-ea"/>
-                    <a:ea typeface="+mj-ea"/>
-                  </a:rPr>
-                  <a:t>neighborhood that has fewer competitors is less risky for starting a new </a:t>
-                </a:r>
-                <a:r>
-                  <a:rPr lang="en-US" altLang="zh-CN" sz="1000" dirty="0" smtClean="0">
-                    <a:ln>
-                      <a:solidFill>
-                        <a:schemeClr val="tx1"/>
-                      </a:solidFill>
-                    </a:ln>
-                    <a:noFill/>
-                    <a:latin typeface="+mj-ea"/>
-                    <a:ea typeface="+mj-ea"/>
-                  </a:rPr>
-                  <a:t>business and </a:t>
+                  <a:t>A neighborhood that has fewer competitors is less risky for starting a new business and </a:t>
                 </a:r>
                 <a:r>
                   <a:rPr lang="en-US" altLang="zh-CN" sz="1000" dirty="0" smtClean="0">
@@ -7337,19 +7207,7 @@
                     <a:noFill/>
                     <a:latin typeface="+mj-ea"/>
                   </a:rPr>
-                  <a:t>is </a:t>
-                </a:r>
-                <a:r>
-                  <a:rPr lang="en-US" altLang="zh-CN" sz="1000" dirty="0" smtClean="0">
-                    <a:ln>
-                      <a:solidFill>
-                        <a:schemeClr val="tx1"/>
-                      </a:solidFill>
-                    </a:ln>
-                    <a:noFill/>
-                    <a:latin typeface="+mj-ea"/>
-                  </a:rPr>
-                  <a:t>affordable to rent</a:t>
+                  <a:t>is affordable to rent</a:t>
                 </a:r>
                 <a:endParaRPr lang="en-US" altLang="zh-CN" sz="1000" dirty="0" smtClean="0">
                   <a:ln>
@@ -7468,7 +7326,7 @@
     </p:spTree>
     <p:extLst>
       <p:ext uri="{BB962C8B-B14F-4D97-AF65-F5344CB8AC3E}">
-        <p14:creationId xmlns="" xmlns:p14="http://schemas.microsoft.com/office/powerpoint/2010/main" val="3246256813"/>
+        <p14:creationId xmlns:p14="http://schemas.microsoft.com/office/powerpoint/2010/main" xmlns="" val="3246256813"/>
       </p:ext>
     </p:extLst>
   </p:cSld>
@@ -7692,14 +7550,7 @@
                   <a:latin typeface="+mj-ea"/>
                   <a:ea typeface="+mj-ea"/>
                 </a:rPr>
-                <a:t>Download NY rent </a:t>
-              </a:r>
-              <a:r>
-                <a:rPr lang="en-US" altLang="zh-CN" sz="1000" dirty="0" smtClean="0">
-                  <a:latin typeface="+mj-ea"/>
-                  <a:ea typeface="+mj-ea"/>
-                </a:rPr>
-                <a:t>data from </a:t>
+                <a:t>Download NY rent data from </a:t>
               </a:r>
               <a:r>
                 <a:rPr lang="en-US" altLang="zh-CN" sz="1000" dirty="0" smtClean="0">
@@ -7827,7 +7678,7 @@
     </p:spTree>
     <p:extLst>
       <p:ext uri="{BB962C8B-B14F-4D97-AF65-F5344CB8AC3E}">
-        <p14:creationId xmlns="" xmlns:p14="http://schemas.microsoft.com/office/powerpoint/2010/main" val="1380840299"/>
+        <p14:creationId xmlns:p14="http://schemas.microsoft.com/office/powerpoint/2010/main" xmlns="" val="1380840299"/>
       </p:ext>
     </p:extLst>
   </p:cSld>
@@ -8056,11 +7907,7 @@
               </a:r>
               <a:r>
                 <a:rPr lang="en-US" sz="1000" dirty="0" smtClean="0"/>
-                <a:t> </a:t>
-              </a:r>
-              <a:r>
-                <a:rPr lang="en-US" sz="1000" dirty="0" smtClean="0"/>
-                <a:t>API</a:t>
+                <a:t> API</a:t>
               </a:r>
             </a:p>
             <a:p>
@@ -8280,7 +8127,7 @@
     </p:spTree>
     <p:extLst>
       <p:ext uri="{BB962C8B-B14F-4D97-AF65-F5344CB8AC3E}">
-        <p14:creationId xmlns="" xmlns:p14="http://schemas.microsoft.com/office/powerpoint/2010/main" val="1380840299"/>
+        <p14:creationId xmlns:p14="http://schemas.microsoft.com/office/powerpoint/2010/main" xmlns="" val="1380840299"/>
       </p:ext>
     </p:extLst>
   </p:cSld>
@@ -8501,15 +8348,7 @@
               </a:pPr>
               <a:r>
                 <a:rPr lang="en-US" sz="1000" dirty="0" smtClean="0"/>
-                <a:t>Search venues </a:t>
-              </a:r>
-              <a:r>
-                <a:rPr lang="en-US" sz="1000" dirty="0" smtClean="0"/>
-                <a:t>for each neighborhood through </a:t>
-              </a:r>
-              <a:r>
-                <a:rPr lang="en-US" sz="1000" dirty="0" smtClean="0"/>
-                <a:t>foursquare API</a:t>
+                <a:t>Search venues for each neighborhood through foursquare API</a:t>
               </a:r>
             </a:p>
             <a:p>
@@ -8531,11 +8370,7 @@
               </a:pPr>
               <a:r>
                 <a:rPr lang="en-US" sz="1000" dirty="0" smtClean="0"/>
-                <a:t>Looking for Movie Theater, Playground, Park, Event Space, General Entertainment, Stadium, Amphitheater, Aquarium, School, Pedestrian Plaza, and Office venues in walking distance (500 meters) from each of these </a:t>
-              </a:r>
-              <a:r>
-                <a:rPr lang="en-US" sz="1000" dirty="0" smtClean="0"/>
-                <a:t>neighborhood</a:t>
+                <a:t>Looking for Movie Theater, Playground, Park, Event Space, General Entertainment, Stadium, Amphitheater, Aquarium, School, Pedestrian Plaza, and Office venues in walking distance (500 meters) from each of these neighborhood</a:t>
               </a:r>
             </a:p>
             <a:p>
@@ -8685,7 +8520,7 @@
     </p:spTree>
     <p:extLst>
       <p:ext uri="{BB962C8B-B14F-4D97-AF65-F5344CB8AC3E}">
-        <p14:creationId xmlns="" xmlns:p14="http://schemas.microsoft.com/office/powerpoint/2010/main" val="1380840299"/>
+        <p14:creationId xmlns:p14="http://schemas.microsoft.com/office/powerpoint/2010/main" xmlns="" val="1380840299"/>
       </p:ext>
     </p:extLst>
   </p:cSld>
@@ -8935,11 +8770,7 @@
               </a:r>
               <a:r>
                 <a:rPr lang="en-US" sz="1000" dirty="0" smtClean="0"/>
-                <a:t>most </a:t>
-              </a:r>
-              <a:r>
-                <a:rPr lang="en-US" sz="1000" dirty="0" smtClean="0"/>
-                <a:t>common venues for each neighborhood</a:t>
+                <a:t>most common venues for each neighborhood</a:t>
               </a:r>
             </a:p>
             <a:p>
@@ -9253,7 +9084,7 @@
     </p:spTree>
     <p:extLst>
       <p:ext uri="{BB962C8B-B14F-4D97-AF65-F5344CB8AC3E}">
-        <p14:creationId xmlns="" xmlns:p14="http://schemas.microsoft.com/office/powerpoint/2010/main" val="1380840299"/>
+        <p14:creationId xmlns:p14="http://schemas.microsoft.com/office/powerpoint/2010/main" xmlns="" val="1380840299"/>
       </p:ext>
     </p:extLst>
   </p:cSld>
@@ -9613,7 +9444,7 @@
     </p:spTree>
     <p:extLst>
       <p:ext uri="{BB962C8B-B14F-4D97-AF65-F5344CB8AC3E}">
-        <p14:creationId xmlns="" xmlns:p14="http://schemas.microsoft.com/office/powerpoint/2010/main" val="1380840299"/>
+        <p14:creationId xmlns:p14="http://schemas.microsoft.com/office/powerpoint/2010/main" xmlns="" val="1380840299"/>
       </p:ext>
     </p:extLst>
   </p:cSld>
@@ -9947,11 +9778,7 @@
             <a:p>
               <a:r>
                 <a:rPr lang="en-US" sz="1000" b="1" dirty="0" smtClean="0"/>
-                <a:t>Remove neighborhood with fast food </a:t>
-              </a:r>
-              <a:r>
-                <a:rPr lang="en-US" sz="1000" b="1" dirty="0" smtClean="0"/>
-                <a:t>restaurant</a:t>
+                <a:t>Remove neighborhood with fast food restaurant</a:t>
               </a:r>
               <a:r>
                 <a:rPr lang="en-US" sz="1400" dirty="0" smtClean="0"/>
@@ -10060,23 +9887,7 @@
               </a:pPr>
               <a:r>
                 <a:rPr lang="en-US" sz="1000" dirty="0" smtClean="0"/>
-                <a:t>Using </a:t>
-              </a:r>
-              <a:r>
-                <a:rPr lang="en-US" sz="1000" dirty="0" smtClean="0"/>
-                <a:t>k-means to cluster the </a:t>
-              </a:r>
-              <a:r>
-                <a:rPr lang="en-US" sz="1000" dirty="0" smtClean="0"/>
-                <a:t>neighborhood </a:t>
-              </a:r>
-              <a:r>
-                <a:rPr lang="en-US" sz="1000" dirty="0" smtClean="0"/>
-                <a:t>into 5 </a:t>
-              </a:r>
-              <a:r>
-                <a:rPr lang="en-US" sz="1000" dirty="0" smtClean="0"/>
-                <a:t>clusters</a:t>
+                <a:t>Using k-means to cluster the neighborhood into 5 clusters</a:t>
               </a:r>
             </a:p>
             <a:p>
@@ -10313,7 +10124,7 @@
     </p:spTree>
     <p:extLst>
       <p:ext uri="{BB962C8B-B14F-4D97-AF65-F5344CB8AC3E}">
-        <p14:creationId xmlns="" xmlns:p14="http://schemas.microsoft.com/office/powerpoint/2010/main" val="2482174001"/>
+        <p14:creationId xmlns:p14="http://schemas.microsoft.com/office/powerpoint/2010/main" xmlns="" val="2482174001"/>
       </p:ext>
     </p:extLst>
   </p:cSld>
@@ -10877,7 +10688,7 @@
   <a:extraClrSchemeLst/>
   <a:extLst>
     <a:ext uri="{05A4C25C-085E-4340-85A3-A5531E510DB2}">
-      <thm15:themeFamily xmlns:thm15="http://schemas.microsoft.com/office/thememl/2012/main" xmlns="" name="Office Theme" id="{62F939B6-93AF-4DB8-9C6B-D6C7DFDC589F}" vid="{4A3C46E8-61CC-4603-A589-7422A47A8E4A}"/>
+      <thm15:themeFamily xmlns="" xmlns:thm15="http://schemas.microsoft.com/office/thememl/2012/main" name="Office Theme" id="{62F939B6-93AF-4DB8-9C6B-D6C7DFDC589F}" vid="{4A3C46E8-61CC-4603-A589-7422A47A8E4A}"/>
     </a:ext>
   </a:extLst>
 </a:theme>
